--- a/mkdocs/docs/images/src/canary.pptx
+++ b/mkdocs/docs/images/src/canary.pptx
@@ -197,7 +197,7 @@
           <a:p>
             <a:fld id="{38B78CBE-37FA-D241-BB4C-CAC5D3B25F49}" type="datetimeFigureOut">
               <a:rPr lang="en-US" smtClean="0"/>
-              <a:t>4/28/21</a:t>
+              <a:t>6/15/21</a:t>
             </a:fld>
             <a:endParaRPr lang="en-US"/>
           </a:p>
@@ -695,7 +695,7 @@
           <a:p>
             <a:fld id="{708812C5-0212-FD42-A0D4-E2E8FF4E3AF5}" type="datetime1">
               <a:rPr lang="en-US" smtClean="0"/>
-              <a:t>4/28/21</a:t>
+              <a:t>6/15/21</a:t>
             </a:fld>
             <a:endParaRPr lang="en-US"/>
           </a:p>
@@ -896,7 +896,7 @@
           <a:p>
             <a:fld id="{D232AC6F-41C3-B34B-9BAA-03ED2F3BC0F6}" type="datetime1">
               <a:rPr lang="en-US" smtClean="0"/>
-              <a:t>4/28/21</a:t>
+              <a:t>6/15/21</a:t>
             </a:fld>
             <a:endParaRPr lang="en-US"/>
           </a:p>
@@ -1107,7 +1107,7 @@
           <a:p>
             <a:fld id="{BEE140C2-F440-9D49-95CB-5965D64CC4A2}" type="datetime1">
               <a:rPr lang="en-US" smtClean="0"/>
-              <a:t>4/28/21</a:t>
+              <a:t>6/15/21</a:t>
             </a:fld>
             <a:endParaRPr lang="en-US"/>
           </a:p>
@@ -1308,7 +1308,7 @@
           <a:p>
             <a:fld id="{CC99F980-FB29-FD47-8508-150F73F1E8B0}" type="datetime1">
               <a:rPr lang="en-US" smtClean="0"/>
-              <a:t>4/28/21</a:t>
+              <a:t>6/15/21</a:t>
             </a:fld>
             <a:endParaRPr lang="en-US"/>
           </a:p>
@@ -1586,7 +1586,7 @@
           <a:p>
             <a:fld id="{D4510983-EA22-9643-8AC0-B3C6499B643B}" type="datetime1">
               <a:rPr lang="en-US" smtClean="0"/>
-              <a:t>4/28/21</a:t>
+              <a:t>6/15/21</a:t>
             </a:fld>
             <a:endParaRPr lang="en-US"/>
           </a:p>
@@ -1854,7 +1854,7 @@
           <a:p>
             <a:fld id="{D5A39195-967D-5D4E-8C6A-C99866996458}" type="datetime1">
               <a:rPr lang="en-US" smtClean="0"/>
-              <a:t>4/28/21</a:t>
+              <a:t>6/15/21</a:t>
             </a:fld>
             <a:endParaRPr lang="en-US"/>
           </a:p>
@@ -2269,7 +2269,7 @@
           <a:p>
             <a:fld id="{5AD771E9-C79D-684D-A158-5EB6E92DE947}" type="datetime1">
               <a:rPr lang="en-US" smtClean="0"/>
-              <a:t>4/28/21</a:t>
+              <a:t>6/15/21</a:t>
             </a:fld>
             <a:endParaRPr lang="en-US"/>
           </a:p>
@@ -2413,7 +2413,7 @@
           <a:p>
             <a:fld id="{693CA161-7E4C-5C4B-B799-DB602A0B9806}" type="datetime1">
               <a:rPr lang="en-US" smtClean="0"/>
-              <a:t>4/28/21</a:t>
+              <a:t>6/15/21</a:t>
             </a:fld>
             <a:endParaRPr lang="en-US"/>
           </a:p>
@@ -2529,7 +2529,7 @@
           <a:p>
             <a:fld id="{6D55FDF3-8BB2-6349-A5FA-057F3D78953D}" type="datetime1">
               <a:rPr lang="en-US" smtClean="0"/>
-              <a:t>4/28/21</a:t>
+              <a:t>6/15/21</a:t>
             </a:fld>
             <a:endParaRPr lang="en-US"/>
           </a:p>
@@ -2843,7 +2843,7 @@
           <a:p>
             <a:fld id="{EEDFACC0-3228-BA4B-942E-CEF38B0101FD}" type="datetime1">
               <a:rPr lang="en-US" smtClean="0"/>
-              <a:t>4/28/21</a:t>
+              <a:t>6/15/21</a:t>
             </a:fld>
             <a:endParaRPr lang="en-US"/>
           </a:p>
@@ -3134,7 +3134,7 @@
           <a:p>
             <a:fld id="{07EEEDBE-E24C-D140-B419-6D8D592D0F1C}" type="datetime1">
               <a:rPr lang="en-US" smtClean="0"/>
-              <a:t>4/28/21</a:t>
+              <a:t>6/15/21</a:t>
             </a:fld>
             <a:endParaRPr lang="en-US"/>
           </a:p>
@@ -3378,7 +3378,7 @@
           <a:p>
             <a:fld id="{E05781A2-A5EF-C54C-A3EF-F62483D37EDC}" type="datetime1">
               <a:rPr lang="en-US" smtClean="0"/>
-              <a:t>4/28/21</a:t>
+              <a:t>6/15/21</a:t>
             </a:fld>
             <a:endParaRPr lang="en-US"/>
           </a:p>
@@ -4788,6 +4788,7 @@
                 <a:lumMod val="50000"/>
               </a:schemeClr>
             </a:solidFill>
+            <a:prstDash val="solid"/>
             <a:tailEnd type="triangle"/>
           </a:ln>
         </p:spPr>
@@ -5801,6 +5802,7 @@
                 <a:lumMod val="50000"/>
               </a:schemeClr>
             </a:solidFill>
+            <a:prstDash val="solid"/>
             <a:tailEnd type="triangle"/>
           </a:ln>
         </p:spPr>
@@ -6242,6 +6244,7 @@
                 <a:lumMod val="50000"/>
               </a:schemeClr>
             </a:solidFill>
+            <a:prstDash val="solid"/>
             <a:tailEnd type="triangle"/>
           </a:ln>
         </p:spPr>
